--- a/発表用/発表資料.pptx
+++ b/発表用/発表資料.pptx
@@ -6,11 +6,12 @@
   </p:sldMasterIdLst>
   <p:sldIdLst>
     <p:sldId id="258" r:id="rId2"/>
-    <p:sldId id="259" r:id="rId3"/>
-    <p:sldId id="260" r:id="rId4"/>
-    <p:sldId id="261" r:id="rId5"/>
+    <p:sldId id="261" r:id="rId3"/>
+    <p:sldId id="259" r:id="rId4"/>
+    <p:sldId id="262" r:id="rId5"/>
     <p:sldId id="263" r:id="rId6"/>
-    <p:sldId id="262" r:id="rId7"/>
+    <p:sldId id="260" r:id="rId7"/>
+    <p:sldId id="264" r:id="rId8"/>
   </p:sldIdLst>
   <p:sldSz cx="12192000" cy="6858000"/>
   <p:notesSz cx="6858000" cy="9144000"/>
@@ -6202,7 +6203,7 @@
           <p:cNvPr id="2" name="タイトル 1">
             <a:extLst>
               <a:ext uri="{FF2B5EF4-FFF2-40B4-BE49-F238E27FC236}">
-                <a16:creationId xmlns:a16="http://schemas.microsoft.com/office/drawing/2014/main" id="{E5C6934B-EB91-4502-B89D-52523AB1D695}"/>
+                <a16:creationId xmlns:a16="http://schemas.microsoft.com/office/drawing/2014/main" id="{62E7C101-0B4E-477D-8706-44393BD83BE7}"/>
               </a:ext>
             </a:extLst>
           </p:cNvPr>
@@ -6219,13 +6220,10 @@
           <a:lstStyle/>
           <a:p>
             <a:r>
-              <a:rPr kumimoji="1" lang="en-US" altLang="ja-JP" dirty="0" err="1"/>
-              <a:t>Javascript</a:t>
-            </a:r>
-            <a:r>
-              <a:rPr kumimoji="1" lang="ja-JP" altLang="en-US" dirty="0"/>
-              <a:t>を使った将棋ゲーム</a:t>
-            </a:r>
+              <a:rPr lang="ja-JP" altLang="en-US" dirty="0"/>
+              <a:t>目的</a:t>
+            </a:r>
+            <a:endParaRPr kumimoji="1" lang="ja-JP" altLang="en-US" dirty="0"/>
           </a:p>
         </p:txBody>
       </p:sp>
@@ -6234,7 +6232,7 @@
           <p:cNvPr id="3" name="コンテンツ プレースホルダー 2">
             <a:extLst>
               <a:ext uri="{FF2B5EF4-FFF2-40B4-BE49-F238E27FC236}">
-                <a16:creationId xmlns:a16="http://schemas.microsoft.com/office/drawing/2014/main" id="{C042D2D6-A3C6-417B-B14B-EEACC72D7A4C}"/>
+                <a16:creationId xmlns:a16="http://schemas.microsoft.com/office/drawing/2014/main" id="{E376FE21-6A0D-490D-920E-3B8E7CEF3D4D}"/>
               </a:ext>
             </a:extLst>
           </p:cNvPr>
@@ -6252,66 +6250,20 @@
           <a:p>
             <a:r>
               <a:rPr lang="en-US" altLang="ja-JP" dirty="0"/>
-              <a:t>HTML</a:t>
-            </a:r>
-            <a:r>
-              <a:rPr lang="ja-JP" altLang="en-US" dirty="0"/>
-              <a:t>で作ったホームページ上で動く将棋ゲーム</a:t>
-            </a:r>
-            <a:endParaRPr lang="en-US" altLang="ja-JP" dirty="0"/>
-          </a:p>
-          <a:p>
-            <a:r>
-              <a:rPr lang="en-US" altLang="ja-JP" dirty="0"/>
-              <a:t>HTML</a:t>
-            </a:r>
-            <a:r>
-              <a:rPr lang="ja-JP" altLang="en-US" dirty="0"/>
-              <a:t>でホームページを作る</a:t>
-            </a:r>
-            <a:endParaRPr lang="en-US" altLang="ja-JP" dirty="0"/>
-          </a:p>
-          <a:p>
-            <a:r>
-              <a:rPr kumimoji="1" lang="en-US" altLang="ja-JP" dirty="0"/>
-              <a:t>Phina.js</a:t>
-            </a:r>
-            <a:r>
-              <a:rPr kumimoji="1" lang="ja-JP" altLang="en-US" dirty="0"/>
-              <a:t>というライブラリを使ってゲーム作成</a:t>
-            </a:r>
-            <a:endParaRPr kumimoji="1" lang="en-US" altLang="ja-JP" dirty="0"/>
-          </a:p>
-          <a:p>
-            <a:r>
-              <a:rPr kumimoji="1" lang="en-US" altLang="ja-JP" dirty="0"/>
-              <a:t>Git</a:t>
-            </a:r>
-          </a:p>
-          <a:p>
-            <a:r>
-              <a:rPr kumimoji="1" lang="en-US" altLang="ja-JP" dirty="0"/>
-              <a:t>Hub Pages</a:t>
-            </a:r>
-            <a:r>
-              <a:rPr kumimoji="1" lang="ja-JP" altLang="en-US" dirty="0"/>
-              <a:t>というサービスで</a:t>
-            </a:r>
-            <a:r>
-              <a:rPr kumimoji="1" lang="en-US" altLang="ja-JP" dirty="0"/>
-              <a:t>web</a:t>
-            </a:r>
-            <a:r>
-              <a:rPr kumimoji="1" lang="ja-JP" altLang="en-US" dirty="0"/>
-              <a:t>ページを公開</a:t>
-            </a:r>
+              <a:t>Web</a:t>
+            </a:r>
+            <a:r>
+              <a:rPr lang="ja-JP" altLang="en-US"/>
+              <a:t>技術を学ぶ</a:t>
+            </a:r>
+            <a:endParaRPr kumimoji="1" lang="ja-JP" altLang="en-US" dirty="0"/>
           </a:p>
         </p:txBody>
       </p:sp>
     </p:spTree>
     <p:extLst>
       <p:ext uri="{BB962C8B-B14F-4D97-AF65-F5344CB8AC3E}">
-        <p14:creationId xmlns:p14="http://schemas.microsoft.com/office/powerpoint/2010/main" val="1091462393"/>
+        <p14:creationId xmlns:p14="http://schemas.microsoft.com/office/powerpoint/2010/main" val="738359658"/>
       </p:ext>
     </p:extLst>
   </p:cSld>
@@ -6343,7 +6295,7 @@
           <p:cNvPr id="2" name="タイトル 1">
             <a:extLst>
               <a:ext uri="{FF2B5EF4-FFF2-40B4-BE49-F238E27FC236}">
-                <a16:creationId xmlns:a16="http://schemas.microsoft.com/office/drawing/2014/main" id="{6B7AB73F-B335-4139-A896-AF36E53E2D32}"/>
+                <a16:creationId xmlns:a16="http://schemas.microsoft.com/office/drawing/2014/main" id="{E5C6934B-EB91-4502-B89D-52523AB1D695}"/>
               </a:ext>
             </a:extLst>
           </p:cNvPr>
@@ -6359,7 +6311,14 @@
           <a:bodyPr/>
           <a:lstStyle/>
           <a:p>
-            <a:endParaRPr kumimoji="1" lang="ja-JP" altLang="en-US" dirty="0"/>
+            <a:r>
+              <a:rPr kumimoji="1" lang="en-US" altLang="ja-JP" dirty="0" err="1"/>
+              <a:t>Javascript</a:t>
+            </a:r>
+            <a:r>
+              <a:rPr kumimoji="1" lang="ja-JP" altLang="en-US" dirty="0"/>
+              <a:t>を使った将棋ゲーム</a:t>
+            </a:r>
           </a:p>
         </p:txBody>
       </p:sp>
@@ -6368,7 +6327,7 @@
           <p:cNvPr id="3" name="コンテンツ プレースホルダー 2">
             <a:extLst>
               <a:ext uri="{FF2B5EF4-FFF2-40B4-BE49-F238E27FC236}">
-                <a16:creationId xmlns:a16="http://schemas.microsoft.com/office/drawing/2014/main" id="{11C79DD0-B836-4C1A-A12B-8252571653C0}"/>
+                <a16:creationId xmlns:a16="http://schemas.microsoft.com/office/drawing/2014/main" id="{C042D2D6-A3C6-417B-B14B-EEACC72D7A4C}"/>
               </a:ext>
             </a:extLst>
           </p:cNvPr>
@@ -6385,22 +6344,121 @@
           <a:lstStyle/>
           <a:p>
             <a:r>
-              <a:rPr lang="en-US" altLang="ja-JP" dirty="0">
-                <a:hlinkClick r:id="rId2"/>
-              </a:rPr>
-              <a:t>https://tarai96.github.io/syogigame/</a:t>
+              <a:rPr lang="en-US" altLang="ja-JP" dirty="0"/>
+              <a:t>HTML</a:t>
+            </a:r>
+            <a:r>
+              <a:rPr lang="ja-JP" altLang="en-US" dirty="0"/>
+              <a:t>で作ったホームページ上で動く将棋ゲーム</a:t>
             </a:r>
             <a:endParaRPr lang="en-US" altLang="ja-JP" dirty="0"/>
           </a:p>
           <a:p>
-            <a:endParaRPr kumimoji="1" lang="ja-JP" altLang="en-US" dirty="0"/>
-          </a:p>
-        </p:txBody>
-      </p:sp>
+            <a:r>
+              <a:rPr lang="en-US" altLang="ja-JP" dirty="0"/>
+              <a:t>HTML</a:t>
+            </a:r>
+            <a:r>
+              <a:rPr lang="ja-JP" altLang="en-US" dirty="0"/>
+              <a:t>でホームページを作る</a:t>
+            </a:r>
+            <a:endParaRPr lang="en-US" altLang="ja-JP" dirty="0"/>
+          </a:p>
+          <a:p>
+            <a:r>
+              <a:rPr kumimoji="1" lang="en-US" altLang="ja-JP" dirty="0"/>
+              <a:t>Phina.js</a:t>
+            </a:r>
+            <a:r>
+              <a:rPr kumimoji="1" lang="ja-JP" altLang="en-US" dirty="0"/>
+              <a:t>というライブラリを使ってゲーム作成</a:t>
+            </a:r>
+            <a:endParaRPr kumimoji="1" lang="en-US" altLang="ja-JP" dirty="0"/>
+          </a:p>
+          <a:p>
+            <a:r>
+              <a:rPr kumimoji="1" lang="en-US" altLang="ja-JP" dirty="0"/>
+              <a:t>GitHub Pages</a:t>
+            </a:r>
+            <a:r>
+              <a:rPr kumimoji="1" lang="ja-JP" altLang="en-US" dirty="0"/>
+              <a:t>というサービスで</a:t>
+            </a:r>
+            <a:r>
+              <a:rPr kumimoji="1" lang="en-US" altLang="ja-JP" dirty="0"/>
+              <a:t>web</a:t>
+            </a:r>
+            <a:r>
+              <a:rPr kumimoji="1" lang="ja-JP" altLang="en-US" dirty="0"/>
+              <a:t>ページを公開</a:t>
+            </a:r>
+          </a:p>
+        </p:txBody>
+      </p:sp>
+      <p:pic>
+        <p:nvPicPr>
+          <p:cNvPr id="4" name="図 3">
+            <a:extLst>
+              <a:ext uri="{FF2B5EF4-FFF2-40B4-BE49-F238E27FC236}">
+                <a16:creationId xmlns:a16="http://schemas.microsoft.com/office/drawing/2014/main" id="{7D4157DD-44CD-4C69-A06B-3A7D012ED9FA}"/>
+              </a:ext>
+            </a:extLst>
+          </p:cNvPr>
+          <p:cNvPicPr>
+            <a:picLocks noChangeAspect="1"/>
+          </p:cNvPicPr>
+          <p:nvPr/>
+        </p:nvPicPr>
+        <p:blipFill>
+          <a:blip r:embed="rId2"/>
+          <a:stretch>
+            <a:fillRect/>
+          </a:stretch>
+        </p:blipFill>
+        <p:spPr>
+          <a:xfrm>
+            <a:off x="677333" y="4221061"/>
+            <a:ext cx="3863903" cy="1820301"/>
+          </a:xfrm>
+          <a:prstGeom prst="rect">
+            <a:avLst/>
+          </a:prstGeom>
+        </p:spPr>
+      </p:pic>
+      <p:pic>
+        <p:nvPicPr>
+          <p:cNvPr id="5" name="図 4">
+            <a:extLst>
+              <a:ext uri="{FF2B5EF4-FFF2-40B4-BE49-F238E27FC236}">
+                <a16:creationId xmlns:a16="http://schemas.microsoft.com/office/drawing/2014/main" id="{9442A811-298A-420B-A275-B01FD0E77350}"/>
+              </a:ext>
+            </a:extLst>
+          </p:cNvPr>
+          <p:cNvPicPr>
+            <a:picLocks noChangeAspect="1"/>
+          </p:cNvPicPr>
+          <p:nvPr/>
+        </p:nvPicPr>
+        <p:blipFill>
+          <a:blip r:embed="rId3"/>
+          <a:stretch>
+            <a:fillRect/>
+          </a:stretch>
+        </p:blipFill>
+        <p:spPr>
+          <a:xfrm>
+            <a:off x="4076418" y="1728550"/>
+            <a:ext cx="4039164" cy="3400900"/>
+          </a:xfrm>
+          <a:prstGeom prst="rect">
+            <a:avLst/>
+          </a:prstGeom>
+        </p:spPr>
+      </p:pic>
     </p:spTree>
     <p:extLst>
       <p:ext uri="{BB962C8B-B14F-4D97-AF65-F5344CB8AC3E}">
-        <p14:creationId xmlns:p14="http://schemas.microsoft.com/office/powerpoint/2010/main" val="1000531688"/>
+        <p14:creationId xmlns:p14="http://schemas.microsoft.com/office/powerpoint/2010/main" val="1091462393"/>
       </p:ext>
     </p:extLst>
   </p:cSld>
@@ -6432,7 +6490,7 @@
           <p:cNvPr id="2" name="タイトル 1">
             <a:extLst>
               <a:ext uri="{FF2B5EF4-FFF2-40B4-BE49-F238E27FC236}">
-                <a16:creationId xmlns:a16="http://schemas.microsoft.com/office/drawing/2014/main" id="{62E7C101-0B4E-477D-8706-44393BD83BE7}"/>
+                <a16:creationId xmlns:a16="http://schemas.microsoft.com/office/drawing/2014/main" id="{CD62EAFE-629B-4EDF-B0A2-04BE59C6237E}"/>
               </a:ext>
             </a:extLst>
           </p:cNvPr>
@@ -6450,7 +6508,7 @@
           <a:p>
             <a:r>
               <a:rPr lang="ja-JP" altLang="en-US" dirty="0"/>
-              <a:t>目的</a:t>
+              <a:t>工夫苦労した点</a:t>
             </a:r>
             <a:endParaRPr kumimoji="1" lang="ja-JP" altLang="en-US" dirty="0"/>
           </a:p>
@@ -6461,7 +6519,7 @@
           <p:cNvPr id="3" name="コンテンツ プレースホルダー 2">
             <a:extLst>
               <a:ext uri="{FF2B5EF4-FFF2-40B4-BE49-F238E27FC236}">
-                <a16:creationId xmlns:a16="http://schemas.microsoft.com/office/drawing/2014/main" id="{E376FE21-6A0D-490D-920E-3B8E7CEF3D4D}"/>
+                <a16:creationId xmlns:a16="http://schemas.microsoft.com/office/drawing/2014/main" id="{061526DE-0FA4-4E56-9D4B-C650DD5770AD}"/>
               </a:ext>
             </a:extLst>
           </p:cNvPr>
@@ -6484,7 +6542,7 @@
     </p:spTree>
     <p:extLst>
       <p:ext uri="{BB962C8B-B14F-4D97-AF65-F5344CB8AC3E}">
-        <p14:creationId xmlns:p14="http://schemas.microsoft.com/office/powerpoint/2010/main" val="738359658"/>
+        <p14:creationId xmlns:p14="http://schemas.microsoft.com/office/powerpoint/2010/main" val="389657356"/>
       </p:ext>
     </p:extLst>
   </p:cSld>
@@ -6603,7 +6661,7 @@
           <p:cNvPr id="2" name="タイトル 1">
             <a:extLst>
               <a:ext uri="{FF2B5EF4-FFF2-40B4-BE49-F238E27FC236}">
-                <a16:creationId xmlns:a16="http://schemas.microsoft.com/office/drawing/2014/main" id="{CD62EAFE-629B-4EDF-B0A2-04BE59C6237E}"/>
+                <a16:creationId xmlns:a16="http://schemas.microsoft.com/office/drawing/2014/main" id="{6B7AB73F-B335-4139-A896-AF36E53E2D32}"/>
               </a:ext>
             </a:extLst>
           </p:cNvPr>
@@ -6619,10 +6677,6 @@
           <a:bodyPr/>
           <a:lstStyle/>
           <a:p>
-            <a:r>
-              <a:rPr lang="ja-JP" altLang="en-US" dirty="0"/>
-              <a:t>工夫苦労した点</a:t>
-            </a:r>
             <a:endParaRPr kumimoji="1" lang="ja-JP" altLang="en-US" dirty="0"/>
           </a:p>
         </p:txBody>
@@ -6632,7 +6686,7 @@
           <p:cNvPr id="3" name="コンテンツ プレースホルダー 2">
             <a:extLst>
               <a:ext uri="{FF2B5EF4-FFF2-40B4-BE49-F238E27FC236}">
-                <a16:creationId xmlns:a16="http://schemas.microsoft.com/office/drawing/2014/main" id="{061526DE-0FA4-4E56-9D4B-C650DD5770AD}"/>
+                <a16:creationId xmlns:a16="http://schemas.microsoft.com/office/drawing/2014/main" id="{11C79DD0-B836-4C1A-A12B-8252571653C0}"/>
               </a:ext>
             </a:extLst>
           </p:cNvPr>
@@ -6648,14 +6702,107 @@
           <a:bodyPr/>
           <a:lstStyle/>
           <a:p>
-            <a:endParaRPr kumimoji="1" lang="ja-JP" altLang="en-US"/>
+            <a:r>
+              <a:rPr lang="en-US" altLang="ja-JP" dirty="0">
+                <a:hlinkClick r:id="rId2"/>
+              </a:rPr>
+              <a:t>https://tarai96.github.io/syogigame/</a:t>
+            </a:r>
+            <a:endParaRPr lang="en-US" altLang="ja-JP" dirty="0"/>
+          </a:p>
+          <a:p>
+            <a:endParaRPr kumimoji="1" lang="ja-JP" altLang="en-US" dirty="0"/>
           </a:p>
         </p:txBody>
       </p:sp>
     </p:spTree>
     <p:extLst>
       <p:ext uri="{BB962C8B-B14F-4D97-AF65-F5344CB8AC3E}">
-        <p14:creationId xmlns:p14="http://schemas.microsoft.com/office/powerpoint/2010/main" val="389657356"/>
+        <p14:creationId xmlns:p14="http://schemas.microsoft.com/office/powerpoint/2010/main" val="1000531688"/>
+      </p:ext>
+    </p:extLst>
+  </p:cSld>
+  <p:clrMapOvr>
+    <a:masterClrMapping/>
+  </p:clrMapOvr>
+</p:sld>
+</file>
+
+<file path=ppt/slides/slide7.xml><?xml version="1.0" encoding="utf-8"?>
+<p:sld xmlns:a="http://schemas.openxmlformats.org/drawingml/2006/main" xmlns:r="http://schemas.openxmlformats.org/officeDocument/2006/relationships" xmlns:p="http://schemas.openxmlformats.org/presentationml/2006/main">
+  <p:cSld>
+    <p:spTree>
+      <p:nvGrpSpPr>
+        <p:cNvPr id="1" name=""/>
+        <p:cNvGrpSpPr/>
+        <p:nvPr/>
+      </p:nvGrpSpPr>
+      <p:grpSpPr>
+        <a:xfrm>
+          <a:off x="0" y="0"/>
+          <a:ext cx="0" cy="0"/>
+          <a:chOff x="0" y="0"/>
+          <a:chExt cx="0" cy="0"/>
+        </a:xfrm>
+      </p:grpSpPr>
+      <p:sp>
+        <p:nvSpPr>
+          <p:cNvPr id="2" name="タイトル 1">
+            <a:extLst>
+              <a:ext uri="{FF2B5EF4-FFF2-40B4-BE49-F238E27FC236}">
+                <a16:creationId xmlns:a16="http://schemas.microsoft.com/office/drawing/2014/main" id="{EFC189ED-322F-41AF-B9BE-78CE6A81642B}"/>
+              </a:ext>
+            </a:extLst>
+          </p:cNvPr>
+          <p:cNvSpPr>
+            <a:spLocks noGrp="1"/>
+          </p:cNvSpPr>
+          <p:nvPr>
+            <p:ph type="ctrTitle"/>
+          </p:nvPr>
+        </p:nvSpPr>
+        <p:spPr/>
+        <p:txBody>
+          <a:bodyPr/>
+          <a:lstStyle/>
+          <a:p>
+            <a:pPr algn="ctr"/>
+            <a:r>
+              <a:rPr kumimoji="1" lang="ja-JP" altLang="en-US" dirty="0"/>
+              <a:t>感想</a:t>
+            </a:r>
+          </a:p>
+        </p:txBody>
+      </p:sp>
+      <p:sp>
+        <p:nvSpPr>
+          <p:cNvPr id="3" name="字幕 2">
+            <a:extLst>
+              <a:ext uri="{FF2B5EF4-FFF2-40B4-BE49-F238E27FC236}">
+                <a16:creationId xmlns:a16="http://schemas.microsoft.com/office/drawing/2014/main" id="{1740ED0C-02E9-4B3A-89D0-68895169802A}"/>
+              </a:ext>
+            </a:extLst>
+          </p:cNvPr>
+          <p:cNvSpPr>
+            <a:spLocks noGrp="1"/>
+          </p:cNvSpPr>
+          <p:nvPr>
+            <p:ph type="subTitle" idx="1"/>
+          </p:nvPr>
+        </p:nvSpPr>
+        <p:spPr/>
+        <p:txBody>
+          <a:bodyPr/>
+          <a:lstStyle/>
+          <a:p>
+            <a:endParaRPr kumimoji="1" lang="ja-JP" altLang="en-US"/>
+          </a:p>
+        </p:txBody>
+      </p:sp>
+    </p:spTree>
+    <p:extLst>
+      <p:ext uri="{BB962C8B-B14F-4D97-AF65-F5344CB8AC3E}">
+        <p14:creationId xmlns:p14="http://schemas.microsoft.com/office/powerpoint/2010/main" val="3694563540"/>
       </p:ext>
     </p:extLst>
   </p:cSld>
